--- a/documents/design report/logo.pptx
+++ b/documents/design report/logo.pptx
@@ -1,6 +1,6 @@
 
 <file path=ppt/presentation.xml><?xml version="1.0" encoding="utf-8"?>
-<p:presentation xmlns:a="http://schemas.openxmlformats.org/drawingml/2006/main" xmlns:r="http://schemas.openxmlformats.org/officeDocument/2006/relationships" xmlns:p="http://schemas.openxmlformats.org/presentationml/2006/main" saveSubsetFonts="1">
+<p:presentation xmlns:a="http://schemas.openxmlformats.org/drawingml/2006/main" xmlns:r="http://schemas.openxmlformats.org/officeDocument/2006/relationships" xmlns:p="http://schemas.openxmlformats.org/presentationml/2006/main" embedTrueTypeFonts="1" saveSubsetFonts="1">
   <p:sldMasterIdLst>
     <p:sldMasterId id="2147483648" r:id="rId1"/>
   </p:sldMasterIdLst>
@@ -12,6 +12,27 @@
   </p:sldIdLst>
   <p:sldSz cx="12192000" cy="6858000"/>
   <p:notesSz cx="6858000" cy="9144000"/>
+  <p:embeddedFontLst>
+    <p:embeddedFont>
+      <p:font typeface="Bodoni MT" panose="02070603080606020203" pitchFamily="18" charset="0"/>
+      <p:regular r:id="rId6"/>
+      <p:bold r:id="rId7"/>
+      <p:italic r:id="rId8"/>
+      <p:boldItalic r:id="rId9"/>
+    </p:embeddedFont>
+    <p:embeddedFont>
+      <p:font typeface="Calibri Light" panose="020F0302020204030204" pitchFamily="34" charset="0"/>
+      <p:regular r:id="rId10"/>
+      <p:italic r:id="rId11"/>
+    </p:embeddedFont>
+    <p:embeddedFont>
+      <p:font typeface="Calibri" panose="020F0502020204030204" pitchFamily="34" charset="0"/>
+      <p:regular r:id="rId12"/>
+      <p:bold r:id="rId13"/>
+      <p:italic r:id="rId14"/>
+      <p:boldItalic r:id="rId15"/>
+    </p:embeddedFont>
+  </p:embeddedFontLst>
   <p:defaultTextStyle>
     <a:defPPr>
       <a:defRPr lang="en-US"/>
@@ -3969,7 +3990,7 @@
         </p:nvSpPr>
         <p:spPr>
           <a:xfrm>
-            <a:off x="7613248" y="1257302"/>
+            <a:off x="7613248" y="1263652"/>
             <a:ext cx="1593849" cy="2682875"/>
           </a:xfrm>
           <a:prstGeom prst="rect">
@@ -4112,7 +4133,7 @@
         </p:blipFill>
         <p:spPr bwMode="auto">
           <a:xfrm>
-            <a:off x="11880773" y="1648747"/>
+            <a:off x="7143673" y="569247"/>
             <a:ext cx="3435428" cy="2427953"/>
           </a:xfrm>
           <a:prstGeom prst="rect">

--- a/documents/design report/logo.pptx
+++ b/documents/design report/logo.pptx
@@ -1,6 +1,6 @@
 
 <file path=ppt/presentation.xml><?xml version="1.0" encoding="utf-8"?>
-<p:presentation xmlns:a="http://schemas.openxmlformats.org/drawingml/2006/main" xmlns:r="http://schemas.openxmlformats.org/officeDocument/2006/relationships" xmlns:p="http://schemas.openxmlformats.org/presentationml/2006/main" embedTrueTypeFonts="1" saveSubsetFonts="1">
+<p:presentation xmlns:a="http://schemas.openxmlformats.org/drawingml/2006/main" xmlns:r="http://schemas.openxmlformats.org/officeDocument/2006/relationships" xmlns:p="http://schemas.openxmlformats.org/presentationml/2006/main" saveSubsetFonts="1">
   <p:sldMasterIdLst>
     <p:sldMasterId id="2147483648" r:id="rId1"/>
   </p:sldMasterIdLst>
@@ -12,27 +12,6 @@
   </p:sldIdLst>
   <p:sldSz cx="12192000" cy="6858000"/>
   <p:notesSz cx="6858000" cy="9144000"/>
-  <p:embeddedFontLst>
-    <p:embeddedFont>
-      <p:font typeface="Bodoni MT" panose="02070603080606020203" pitchFamily="18" charset="0"/>
-      <p:regular r:id="rId6"/>
-      <p:bold r:id="rId7"/>
-      <p:italic r:id="rId8"/>
-      <p:boldItalic r:id="rId9"/>
-    </p:embeddedFont>
-    <p:embeddedFont>
-      <p:font typeface="Calibri Light" panose="020F0302020204030204" pitchFamily="34" charset="0"/>
-      <p:regular r:id="rId10"/>
-      <p:italic r:id="rId11"/>
-    </p:embeddedFont>
-    <p:embeddedFont>
-      <p:font typeface="Calibri" panose="020F0502020204030204" pitchFamily="34" charset="0"/>
-      <p:regular r:id="rId12"/>
-      <p:bold r:id="rId13"/>
-      <p:italic r:id="rId14"/>
-      <p:boldItalic r:id="rId15"/>
-    </p:embeddedFont>
-  </p:embeddedFontLst>
   <p:defaultTextStyle>
     <a:defPPr>
       <a:defRPr lang="en-US"/>
@@ -128,6 +107,11 @@
       </a:defRPr>
     </a:lvl9pPr>
   </p:defaultTextStyle>
+  <p:extLst>
+    <p:ext uri="{EFAFB233-063F-42B5-8137-9DF3F51BA10A}">
+      <p15:sldGuideLst xmlns:p15="http://schemas.microsoft.com/office/powerpoint/2012/main"/>
+    </p:ext>
+  </p:extLst>
 </p:presentation>
 </file>
 
@@ -3305,7 +3289,7 @@
         <p:spPr>
           <a:xfrm>
             <a:off x="679358" y="3957649"/>
-            <a:ext cx="2263867" cy="1323439"/>
+            <a:ext cx="2263867" cy="1569660"/>
           </a:xfrm>
           <a:prstGeom prst="rect">
             <a:avLst/>
@@ -3323,11 +3307,14 @@
               <a:buChar char="•"/>
             </a:pPr>
             <a:r>
-              <a:rPr lang="en-GB" sz="1600" dirty="0">
+              <a:rPr lang="en-GB" sz="1600" smtClean="0">
                 <a:latin typeface="Adobe Garamond Pro" panose="02020502060506020403" pitchFamily="18" charset="0"/>
               </a:rPr>
-              <a:t>Heartrate</a:t>
-            </a:r>
+              <a:t>Heart rate</a:t>
+            </a:r>
+            <a:endParaRPr lang="en-GB" sz="1600" dirty="0">
+              <a:latin typeface="Adobe Garamond Pro" panose="02020502060506020403" pitchFamily="18" charset="0"/>
+            </a:endParaRPr>
           </a:p>
           <a:p>
             <a:pPr marL="285750" indent="-285750">
@@ -4328,7 +4315,7 @@
           <p:nvPr>
             <p:extLst>
               <p:ext uri="{386F3935-93C4-4BCD-93E2-E3B085C9AB24}">
-                <p16:designElem xmlns:p16="http://schemas.microsoft.com/office/powerpoint/2015/main" val="1"/>
+                <p16:designElem xmlns:p16="http://schemas.microsoft.com/office/powerpoint/2015/main" xmlns="" val="1"/>
               </p:ext>
             </p:extLst>
           </p:nvPr>
@@ -4359,7 +4346,7 @@
           <p:nvPr>
             <p:extLst>
               <p:ext uri="{386F3935-93C4-4BCD-93E2-E3B085C9AB24}">
-                <p16:designElem xmlns:p16="http://schemas.microsoft.com/office/powerpoint/2015/main" val="1"/>
+                <p16:designElem xmlns:p16="http://schemas.microsoft.com/office/powerpoint/2015/main" xmlns="" val="1"/>
               </p:ext>
             </p:extLst>
           </p:nvPr>
@@ -4441,7 +4428,7 @@
           <p:nvPr>
             <p:extLst>
               <p:ext uri="{386F3935-93C4-4BCD-93E2-E3B085C9AB24}">
-                <p16:designElem xmlns:p16="http://schemas.microsoft.com/office/powerpoint/2015/main" val="1"/>
+                <p16:designElem xmlns:p16="http://schemas.microsoft.com/office/powerpoint/2015/main" xmlns="" val="1"/>
               </p:ext>
             </p:extLst>
           </p:nvPr>
@@ -4562,7 +4549,7 @@
           <p:nvPr>
             <p:extLst>
               <p:ext uri="{386F3935-93C4-4BCD-93E2-E3B085C9AB24}">
-                <p16:designElem xmlns:p16="http://schemas.microsoft.com/office/powerpoint/2015/main" val="1"/>
+                <p16:designElem xmlns:p16="http://schemas.microsoft.com/office/powerpoint/2015/main" xmlns="" val="1"/>
               </p:ext>
             </p:extLst>
           </p:nvPr>
